--- a/Coding Connection Vision.pptx
+++ b/Coding Connection Vision.pptx
@@ -11,8 +11,8 @@
     <p:sldId id="256" r:id="rId2"/>
     <p:sldId id="257" r:id="rId3"/>
     <p:sldId id="258" r:id="rId4"/>
-    <p:sldId id="259" r:id="rId5"/>
-    <p:sldId id="262" r:id="rId6"/>
+    <p:sldId id="262" r:id="rId5"/>
+    <p:sldId id="259" r:id="rId6"/>
     <p:sldId id="260" r:id="rId7"/>
     <p:sldId id="261" r:id="rId8"/>
     <p:sldId id="263" r:id="rId9"/>
@@ -114,6 +114,11 @@
       </a:defRPr>
     </a:lvl9pPr>
   </p:defaultTextStyle>
+  <p:extLst>
+    <p:ext uri="{EFAFB233-063F-42B5-8137-9DF3F51BA10A}">
+      <p15:sldGuideLst xmlns:p15="http://schemas.microsoft.com/office/powerpoint/2012/main"/>
+    </p:ext>
+  </p:extLst>
 </p:presentation>
 </file>
 
@@ -199,7 +204,7 @@
           <a:p>
             <a:fld id="{E703B66F-CE00-4C8C-BD94-F7F996F2DA9B}" type="datetimeFigureOut">
               <a:rPr lang="en-US" smtClean="0"/>
-              <a:t>11/14/2015</a:t>
+              <a:t>11/16/2015</a:t>
             </a:fld>
             <a:endParaRPr lang="en-US"/>
           </a:p>
@@ -567,7 +572,7 @@
           <a:p>
             <a:fld id="{F6C5DA0C-46EE-4EDC-8515-E0CF09C65834}" type="slidenum">
               <a:rPr lang="en-US" smtClean="0"/>
-              <a:t>4</a:t>
+              <a:t>5</a:t>
             </a:fld>
             <a:endParaRPr lang="en-US"/>
           </a:p>
@@ -755,7 +760,7 @@
           <a:p>
             <a:fld id="{BAA46FE0-9DD4-4F57-A679-BA7A7FA0C0B2}" type="datetimeFigureOut">
               <a:rPr lang="en-US" smtClean="0"/>
-              <a:t>11/14/2015</a:t>
+              <a:t>11/16/2015</a:t>
             </a:fld>
             <a:endParaRPr lang="en-US"/>
           </a:p>
@@ -1090,7 +1095,7 @@
           <a:p>
             <a:fld id="{BAA46FE0-9DD4-4F57-A679-BA7A7FA0C0B2}" type="datetimeFigureOut">
               <a:rPr lang="en-US" smtClean="0"/>
-              <a:t>11/14/2015</a:t>
+              <a:t>11/16/2015</a:t>
             </a:fld>
             <a:endParaRPr lang="en-US"/>
           </a:p>
@@ -1270,7 +1275,7 @@
           <a:p>
             <a:fld id="{BAA46FE0-9DD4-4F57-A679-BA7A7FA0C0B2}" type="datetimeFigureOut">
               <a:rPr lang="en-US" smtClean="0"/>
-              <a:t>11/14/2015</a:t>
+              <a:t>11/16/2015</a:t>
             </a:fld>
             <a:endParaRPr lang="en-US"/>
           </a:p>
@@ -1445,7 +1450,7 @@
           <a:p>
             <a:fld id="{BAA46FE0-9DD4-4F57-A679-BA7A7FA0C0B2}" type="datetimeFigureOut">
               <a:rPr lang="en-US" smtClean="0"/>
-              <a:t>11/14/2015</a:t>
+              <a:t>11/16/2015</a:t>
             </a:fld>
             <a:endParaRPr lang="en-US"/>
           </a:p>
@@ -1722,7 +1727,7 @@
           <a:p>
             <a:fld id="{BAA46FE0-9DD4-4F57-A679-BA7A7FA0C0B2}" type="datetimeFigureOut">
               <a:rPr lang="en-US" smtClean="0"/>
-              <a:t>11/14/2015</a:t>
+              <a:t>11/16/2015</a:t>
             </a:fld>
             <a:endParaRPr lang="en-US"/>
           </a:p>
@@ -2121,7 +2126,7 @@
           <a:p>
             <a:fld id="{BAA46FE0-9DD4-4F57-A679-BA7A7FA0C0B2}" type="datetimeFigureOut">
               <a:rPr lang="en-US" smtClean="0"/>
-              <a:t>11/14/2015</a:t>
+              <a:t>11/16/2015</a:t>
             </a:fld>
             <a:endParaRPr lang="en-US"/>
           </a:p>
@@ -2603,7 +2608,7 @@
           <a:p>
             <a:fld id="{BAA46FE0-9DD4-4F57-A679-BA7A7FA0C0B2}" type="datetimeFigureOut">
               <a:rPr lang="en-US" smtClean="0"/>
-              <a:t>11/14/2015</a:t>
+              <a:t>11/16/2015</a:t>
             </a:fld>
             <a:endParaRPr lang="en-US"/>
           </a:p>
@@ -2726,7 +2731,7 @@
           <a:p>
             <a:fld id="{BAA46FE0-9DD4-4F57-A679-BA7A7FA0C0B2}" type="datetimeFigureOut">
               <a:rPr lang="en-US" smtClean="0"/>
-              <a:t>11/14/2015</a:t>
+              <a:t>11/16/2015</a:t>
             </a:fld>
             <a:endParaRPr lang="en-US"/>
           </a:p>
@@ -2821,7 +2826,7 @@
           <a:p>
             <a:fld id="{BAA46FE0-9DD4-4F57-A679-BA7A7FA0C0B2}" type="datetimeFigureOut">
               <a:rPr lang="en-US" smtClean="0"/>
-              <a:t>11/14/2015</a:t>
+              <a:t>11/16/2015</a:t>
             </a:fld>
             <a:endParaRPr lang="en-US"/>
           </a:p>
@@ -3167,7 +3172,7 @@
           <a:p>
             <a:fld id="{BAA46FE0-9DD4-4F57-A679-BA7A7FA0C0B2}" type="datetimeFigureOut">
               <a:rPr lang="en-US" smtClean="0"/>
-              <a:t>11/14/2015</a:t>
+              <a:t>11/16/2015</a:t>
             </a:fld>
             <a:endParaRPr lang="en-US"/>
           </a:p>
@@ -3560,7 +3565,7 @@
           <a:p>
             <a:fld id="{BAA46FE0-9DD4-4F57-A679-BA7A7FA0C0B2}" type="datetimeFigureOut">
               <a:rPr lang="en-US" smtClean="0"/>
-              <a:t>11/14/2015</a:t>
+              <a:t>11/16/2015</a:t>
             </a:fld>
             <a:endParaRPr lang="en-US"/>
           </a:p>
@@ -3838,7 +3843,7 @@
           <a:p>
             <a:fld id="{BAA46FE0-9DD4-4F57-A679-BA7A7FA0C0B2}" type="datetimeFigureOut">
               <a:rPr lang="en-US" smtClean="0"/>
-              <a:t>11/14/2015</a:t>
+              <a:t>11/16/2015</a:t>
             </a:fld>
             <a:endParaRPr lang="en-US"/>
           </a:p>
@@ -4287,42 +4292,42 @@
   <p:extLst mod="1">
     <p:ext uri="{27BBF7A9-308A-43DC-89C8-2F10F3537804}">
       <p15:sldGuideLst xmlns:p15="http://schemas.microsoft.com/office/powerpoint/2012/main">
-        <p15:guide id="4294967295" orient="horz" pos="1368">
+        <p15:guide id="1" orient="horz" pos="1368">
           <p15:clr>
             <a:srgbClr val="F26B43"/>
           </p15:clr>
         </p15:guide>
-        <p15:guide id="4294967295" orient="horz" pos="1440">
+        <p15:guide id="2" orient="horz" pos="1440">
           <p15:clr>
             <a:srgbClr val="F26B43"/>
           </p15:clr>
         </p15:guide>
-        <p15:guide id="4294967295" orient="horz" pos="3696">
+        <p15:guide id="3" orient="horz" pos="3696">
           <p15:clr>
             <a:srgbClr val="F26B43"/>
           </p15:clr>
         </p15:guide>
-        <p15:guide id="4294967295" orient="horz" pos="432">
+        <p15:guide id="4" orient="horz" pos="432">
           <p15:clr>
             <a:srgbClr val="F26B43"/>
           </p15:clr>
         </p15:guide>
-        <p15:guide id="4294967295" orient="horz" pos="1512">
+        <p15:guide id="5" orient="horz" pos="1512">
           <p15:clr>
             <a:srgbClr val="F26B43"/>
           </p15:clr>
         </p15:guide>
-        <p15:guide id="4294967295" pos="6912">
+        <p15:guide id="6" pos="6912">
           <p15:clr>
             <a:srgbClr val="F26B43"/>
           </p15:clr>
         </p15:guide>
-        <p15:guide id="4294967295" pos="936">
+        <p15:guide id="7" pos="936">
           <p15:clr>
             <a:srgbClr val="F26B43"/>
           </p15:clr>
         </p15:guide>
-        <p15:guide id="4294967295" pos="864">
+        <p15:guide id="8" pos="864">
           <p15:clr>
             <a:srgbClr val="F26B43"/>
           </p15:clr>
@@ -4922,7 +4927,7 @@
           <a:p>
             <a:r>
               <a:rPr lang="en-US" dirty="0" smtClean="0"/>
-              <a:t>Build a Network</a:t>
+              <a:t>Locate Resources</a:t>
             </a:r>
             <a:endParaRPr lang="en-US" dirty="0"/>
           </a:p>
@@ -4938,7 +4943,12 @@
             <p:ph idx="1"/>
           </p:nvPr>
         </p:nvSpPr>
-        <p:spPr/>
+        <p:spPr>
+          <a:xfrm>
+            <a:off x="1371600" y="1856096"/>
+            <a:ext cx="4345824" cy="4011304"/>
+          </a:xfrm>
+        </p:spPr>
         <p:txBody>
           <a:bodyPr>
             <a:normAutofit/>
@@ -4946,28 +4956,142 @@
           <a:lstStyle/>
           <a:p>
             <a:r>
-              <a:rPr lang="en-US" sz="3200" dirty="0" smtClean="0"/>
-              <a:t>Peer support: forums, newsfeed</a:t>
-            </a:r>
-          </a:p>
-          <a:p>
-            <a:r>
-              <a:rPr lang="en-US" sz="3200" dirty="0" smtClean="0"/>
-              <a:t>Mentorship</a:t>
-            </a:r>
-          </a:p>
-          <a:p>
-            <a:pPr marL="0" indent="0">
-              <a:buNone/>
-            </a:pPr>
-            <a:endParaRPr lang="en-US" sz="3200" dirty="0"/>
-          </a:p>
-        </p:txBody>
-      </p:sp>
+              <a:rPr lang="en-US" sz="2800" dirty="0" smtClean="0"/>
+              <a:t>Link to popular coding tutorial sites for all ages</a:t>
+            </a:r>
+          </a:p>
+          <a:p>
+            <a:r>
+              <a:rPr lang="en-US" sz="2800" dirty="0" smtClean="0"/>
+              <a:t>Share progress, see what your peers are using</a:t>
+            </a:r>
+          </a:p>
+          <a:p>
+            <a:r>
+              <a:rPr lang="en-US" sz="2800" dirty="0" smtClean="0"/>
+              <a:t>Review sites on forums </a:t>
+            </a:r>
+            <a:endParaRPr lang="en-US" sz="2800" dirty="0"/>
+          </a:p>
+        </p:txBody>
+      </p:sp>
+      <p:pic>
+        <p:nvPicPr>
+          <p:cNvPr id="7" name="Picture 6"/>
+          <p:cNvPicPr>
+            <a:picLocks noChangeAspect="1"/>
+          </p:cNvPicPr>
+          <p:nvPr/>
+        </p:nvPicPr>
+        <p:blipFill rotWithShape="1">
+          <a:blip r:embed="rId2"/>
+          <a:srcRect l="12378" t="22622" r="14092" b="10961"/>
+          <a:stretch/>
+        </p:blipFill>
+        <p:spPr>
+          <a:xfrm>
+            <a:off x="5874374" y="888366"/>
+            <a:ext cx="5854889" cy="2973382"/>
+          </a:xfrm>
+          <a:prstGeom prst="rect">
+            <a:avLst/>
+          </a:prstGeom>
+        </p:spPr>
+      </p:pic>
+      <p:sp>
+        <p:nvSpPr>
+          <p:cNvPr id="8" name="TextBox 7"/>
+          <p:cNvSpPr txBox="1"/>
+          <p:nvPr/>
+        </p:nvSpPr>
+        <p:spPr>
+          <a:xfrm>
+            <a:off x="8801818" y="4231080"/>
+            <a:ext cx="2927445" cy="1754326"/>
+          </a:xfrm>
+          <a:prstGeom prst="rect">
+            <a:avLst/>
+          </a:prstGeom>
+          <a:noFill/>
+        </p:spPr>
+        <p:txBody>
+          <a:bodyPr wrap="square" rtlCol="0">
+            <a:spAutoFit/>
+          </a:bodyPr>
+          <a:lstStyle/>
+          <a:p>
+            <a:r>
+              <a:rPr lang="en-US" b="1" dirty="0" smtClean="0"/>
+              <a:t>Above:</a:t>
+            </a:r>
+            <a:r>
+              <a:rPr lang="en-US" dirty="0" smtClean="0"/>
+              <a:t> </a:t>
+            </a:r>
+            <a:r>
+              <a:rPr lang="en-US" dirty="0" err="1" smtClean="0"/>
+              <a:t>Code.org’s</a:t>
+            </a:r>
+            <a:r>
+              <a:rPr lang="en-US" dirty="0" smtClean="0"/>
+              <a:t> Code Studio for students</a:t>
+            </a:r>
+          </a:p>
+          <a:p>
+            <a:endParaRPr lang="en-US" dirty="0"/>
+          </a:p>
+          <a:p>
+            <a:r>
+              <a:rPr lang="en-US" b="1" dirty="0" smtClean="0"/>
+              <a:t>Left:</a:t>
+            </a:r>
+            <a:r>
+              <a:rPr lang="en-US" dirty="0" smtClean="0"/>
+              <a:t> </a:t>
+            </a:r>
+            <a:r>
+              <a:rPr lang="en-US" dirty="0" err="1" smtClean="0"/>
+              <a:t>Scratch.mit.edu’s</a:t>
+            </a:r>
+            <a:r>
+              <a:rPr lang="en-US" dirty="0" smtClean="0"/>
+              <a:t> interactive program </a:t>
+            </a:r>
+            <a:r>
+              <a:rPr lang="en-US" smtClean="0"/>
+              <a:t>creation platform </a:t>
+            </a:r>
+            <a:endParaRPr lang="en-US" dirty="0"/>
+          </a:p>
+        </p:txBody>
+      </p:sp>
+      <p:pic>
+        <p:nvPicPr>
+          <p:cNvPr id="9" name="Picture 8"/>
+          <p:cNvPicPr>
+            <a:picLocks noChangeAspect="1"/>
+          </p:cNvPicPr>
+          <p:nvPr/>
+        </p:nvPicPr>
+        <p:blipFill rotWithShape="1">
+          <a:blip r:embed="rId3"/>
+          <a:srcRect t="11894" r="46295" b="6575"/>
+          <a:stretch/>
+        </p:blipFill>
+        <p:spPr>
+          <a:xfrm>
+            <a:off x="5874373" y="4231080"/>
+            <a:ext cx="2770496" cy="2364661"/>
+          </a:xfrm>
+          <a:prstGeom prst="rect">
+            <a:avLst/>
+          </a:prstGeom>
+        </p:spPr>
+      </p:pic>
     </p:spTree>
     <p:extLst>
       <p:ext uri="{BB962C8B-B14F-4D97-AF65-F5344CB8AC3E}">
-        <p14:creationId xmlns:p14="http://schemas.microsoft.com/office/powerpoint/2010/main" val="2104025557"/>
+        <p14:creationId xmlns:p14="http://schemas.microsoft.com/office/powerpoint/2010/main" val="3452385742"/>
       </p:ext>
     </p:extLst>
   </p:cSld>
@@ -5018,7 +5142,7 @@
           <a:p>
             <a:r>
               <a:rPr lang="en-US" dirty="0" smtClean="0"/>
-              <a:t>Locate Resources</a:t>
+              <a:t>Build a Network</a:t>
             </a:r>
             <a:endParaRPr lang="en-US" dirty="0"/>
           </a:p>
@@ -5034,12 +5158,7 @@
             <p:ph idx="1"/>
           </p:nvPr>
         </p:nvSpPr>
-        <p:spPr>
-          <a:xfrm>
-            <a:off x="1371600" y="1856096"/>
-            <a:ext cx="4345824" cy="4011304"/>
-          </a:xfrm>
-        </p:spPr>
+        <p:spPr/>
         <p:txBody>
           <a:bodyPr>
             <a:normAutofit/>
@@ -5047,142 +5166,28 @@
           <a:lstStyle/>
           <a:p>
             <a:r>
-              <a:rPr lang="en-US" sz="2800" dirty="0" smtClean="0"/>
-              <a:t>Link to popular coding tutorial sites for all ages</a:t>
-            </a:r>
-          </a:p>
-          <a:p>
-            <a:r>
-              <a:rPr lang="en-US" sz="2800" dirty="0" smtClean="0"/>
-              <a:t>Share progress, see what your peers are using</a:t>
-            </a:r>
-          </a:p>
-          <a:p>
-            <a:r>
-              <a:rPr lang="en-US" sz="2800" dirty="0" smtClean="0"/>
-              <a:t>Review sites on forums </a:t>
-            </a:r>
-            <a:endParaRPr lang="en-US" sz="2800" dirty="0"/>
-          </a:p>
-        </p:txBody>
-      </p:sp>
-      <p:pic>
-        <p:nvPicPr>
-          <p:cNvPr id="7" name="Picture 6"/>
-          <p:cNvPicPr>
-            <a:picLocks noChangeAspect="1"/>
-          </p:cNvPicPr>
-          <p:nvPr/>
-        </p:nvPicPr>
-        <p:blipFill rotWithShape="1">
-          <a:blip r:embed="rId2"/>
-          <a:srcRect l="12378" t="22622" r="14092" b="10961"/>
-          <a:stretch/>
-        </p:blipFill>
-        <p:spPr>
-          <a:xfrm>
-            <a:off x="5874374" y="888366"/>
-            <a:ext cx="5854889" cy="2973382"/>
-          </a:xfrm>
-          <a:prstGeom prst="rect">
-            <a:avLst/>
-          </a:prstGeom>
-        </p:spPr>
-      </p:pic>
-      <p:sp>
-        <p:nvSpPr>
-          <p:cNvPr id="8" name="TextBox 7"/>
-          <p:cNvSpPr txBox="1"/>
-          <p:nvPr/>
-        </p:nvSpPr>
-        <p:spPr>
-          <a:xfrm>
-            <a:off x="8801818" y="4231080"/>
-            <a:ext cx="2927445" cy="1754326"/>
-          </a:xfrm>
-          <a:prstGeom prst="rect">
-            <a:avLst/>
-          </a:prstGeom>
-          <a:noFill/>
-        </p:spPr>
-        <p:txBody>
-          <a:bodyPr wrap="square" rtlCol="0">
-            <a:spAutoFit/>
-          </a:bodyPr>
-          <a:lstStyle/>
-          <a:p>
-            <a:r>
-              <a:rPr lang="en-US" b="1" dirty="0" smtClean="0"/>
-              <a:t>Above:</a:t>
-            </a:r>
-            <a:r>
-              <a:rPr lang="en-US" dirty="0" smtClean="0"/>
-              <a:t> </a:t>
-            </a:r>
-            <a:r>
-              <a:rPr lang="en-US" dirty="0" err="1" smtClean="0"/>
-              <a:t>Code.org’s</a:t>
-            </a:r>
-            <a:r>
-              <a:rPr lang="en-US" dirty="0" smtClean="0"/>
-              <a:t> Code Studio for students</a:t>
-            </a:r>
-          </a:p>
-          <a:p>
-            <a:endParaRPr lang="en-US" dirty="0"/>
-          </a:p>
-          <a:p>
-            <a:r>
-              <a:rPr lang="en-US" b="1" dirty="0" smtClean="0"/>
-              <a:t>Left:</a:t>
-            </a:r>
-            <a:r>
-              <a:rPr lang="en-US" dirty="0" smtClean="0"/>
-              <a:t> </a:t>
-            </a:r>
-            <a:r>
-              <a:rPr lang="en-US" dirty="0" err="1" smtClean="0"/>
-              <a:t>Scratch.mit.edu’s</a:t>
-            </a:r>
-            <a:r>
-              <a:rPr lang="en-US" dirty="0" smtClean="0"/>
-              <a:t> interactive program </a:t>
-            </a:r>
-            <a:r>
-              <a:rPr lang="en-US" smtClean="0"/>
-              <a:t>creation platform </a:t>
-            </a:r>
-            <a:endParaRPr lang="en-US" dirty="0"/>
-          </a:p>
-        </p:txBody>
-      </p:sp>
-      <p:pic>
-        <p:nvPicPr>
-          <p:cNvPr id="9" name="Picture 8"/>
-          <p:cNvPicPr>
-            <a:picLocks noChangeAspect="1"/>
-          </p:cNvPicPr>
-          <p:nvPr/>
-        </p:nvPicPr>
-        <p:blipFill rotWithShape="1">
-          <a:blip r:embed="rId3"/>
-          <a:srcRect t="11894" r="46295" b="6575"/>
-          <a:stretch/>
-        </p:blipFill>
-        <p:spPr>
-          <a:xfrm>
-            <a:off x="5874373" y="4231080"/>
-            <a:ext cx="2770496" cy="2364661"/>
-          </a:xfrm>
-          <a:prstGeom prst="rect">
-            <a:avLst/>
-          </a:prstGeom>
-        </p:spPr>
-      </p:pic>
+              <a:rPr lang="en-US" sz="3200" dirty="0" smtClean="0"/>
+              <a:t>Peer support: forums, newsfeed</a:t>
+            </a:r>
+          </a:p>
+          <a:p>
+            <a:r>
+              <a:rPr lang="en-US" sz="3200" dirty="0" smtClean="0"/>
+              <a:t>Mentorship</a:t>
+            </a:r>
+          </a:p>
+          <a:p>
+            <a:pPr marL="0" indent="0">
+              <a:buNone/>
+            </a:pPr>
+            <a:endParaRPr lang="en-US" sz="3200" dirty="0"/>
+          </a:p>
+        </p:txBody>
+      </p:sp>
     </p:spTree>
     <p:extLst>
       <p:ext uri="{BB962C8B-B14F-4D97-AF65-F5344CB8AC3E}">
-        <p14:creationId xmlns:p14="http://schemas.microsoft.com/office/powerpoint/2010/main" val="3452385742"/>
+        <p14:creationId xmlns:p14="http://schemas.microsoft.com/office/powerpoint/2010/main" val="2104025557"/>
       </p:ext>
     </p:extLst>
   </p:cSld>

--- a/Coding Connection Vision.pptx
+++ b/Coding Connection Vision.pptx
@@ -114,6 +114,11 @@
       </a:defRPr>
     </a:lvl9pPr>
   </p:defaultTextStyle>
+  <p:extLst>
+    <p:ext uri="{EFAFB233-063F-42B5-8137-9DF3F51BA10A}">
+      <p15:sldGuideLst xmlns:p15="http://schemas.microsoft.com/office/powerpoint/2012/main"/>
+    </p:ext>
+  </p:extLst>
 </p:presentation>
 </file>
 
@@ -199,7 +204,7 @@
           <a:p>
             <a:fld id="{E703B66F-CE00-4C8C-BD94-F7F996F2DA9B}" type="datetimeFigureOut">
               <a:rPr lang="en-US" smtClean="0"/>
-              <a:t>11/14/2015</a:t>
+              <a:t>11/15/2015</a:t>
             </a:fld>
             <a:endParaRPr lang="en-US"/>
           </a:p>
@@ -755,7 +760,7 @@
           <a:p>
             <a:fld id="{BAA46FE0-9DD4-4F57-A679-BA7A7FA0C0B2}" type="datetimeFigureOut">
               <a:rPr lang="en-US" smtClean="0"/>
-              <a:t>11/14/2015</a:t>
+              <a:t>11/15/2015</a:t>
             </a:fld>
             <a:endParaRPr lang="en-US"/>
           </a:p>
@@ -1090,7 +1095,7 @@
           <a:p>
             <a:fld id="{BAA46FE0-9DD4-4F57-A679-BA7A7FA0C0B2}" type="datetimeFigureOut">
               <a:rPr lang="en-US" smtClean="0"/>
-              <a:t>11/14/2015</a:t>
+              <a:t>11/15/2015</a:t>
             </a:fld>
             <a:endParaRPr lang="en-US"/>
           </a:p>
@@ -1270,7 +1275,7 @@
           <a:p>
             <a:fld id="{BAA46FE0-9DD4-4F57-A679-BA7A7FA0C0B2}" type="datetimeFigureOut">
               <a:rPr lang="en-US" smtClean="0"/>
-              <a:t>11/14/2015</a:t>
+              <a:t>11/15/2015</a:t>
             </a:fld>
             <a:endParaRPr lang="en-US"/>
           </a:p>
@@ -1445,7 +1450,7 @@
           <a:p>
             <a:fld id="{BAA46FE0-9DD4-4F57-A679-BA7A7FA0C0B2}" type="datetimeFigureOut">
               <a:rPr lang="en-US" smtClean="0"/>
-              <a:t>11/14/2015</a:t>
+              <a:t>11/15/2015</a:t>
             </a:fld>
             <a:endParaRPr lang="en-US"/>
           </a:p>
@@ -1722,7 +1727,7 @@
           <a:p>
             <a:fld id="{BAA46FE0-9DD4-4F57-A679-BA7A7FA0C0B2}" type="datetimeFigureOut">
               <a:rPr lang="en-US" smtClean="0"/>
-              <a:t>11/14/2015</a:t>
+              <a:t>11/15/2015</a:t>
             </a:fld>
             <a:endParaRPr lang="en-US"/>
           </a:p>
@@ -2121,7 +2126,7 @@
           <a:p>
             <a:fld id="{BAA46FE0-9DD4-4F57-A679-BA7A7FA0C0B2}" type="datetimeFigureOut">
               <a:rPr lang="en-US" smtClean="0"/>
-              <a:t>11/14/2015</a:t>
+              <a:t>11/15/2015</a:t>
             </a:fld>
             <a:endParaRPr lang="en-US"/>
           </a:p>
@@ -2603,7 +2608,7 @@
           <a:p>
             <a:fld id="{BAA46FE0-9DD4-4F57-A679-BA7A7FA0C0B2}" type="datetimeFigureOut">
               <a:rPr lang="en-US" smtClean="0"/>
-              <a:t>11/14/2015</a:t>
+              <a:t>11/15/2015</a:t>
             </a:fld>
             <a:endParaRPr lang="en-US"/>
           </a:p>
@@ -2726,7 +2731,7 @@
           <a:p>
             <a:fld id="{BAA46FE0-9DD4-4F57-A679-BA7A7FA0C0B2}" type="datetimeFigureOut">
               <a:rPr lang="en-US" smtClean="0"/>
-              <a:t>11/14/2015</a:t>
+              <a:t>11/15/2015</a:t>
             </a:fld>
             <a:endParaRPr lang="en-US"/>
           </a:p>
@@ -2821,7 +2826,7 @@
           <a:p>
             <a:fld id="{BAA46FE0-9DD4-4F57-A679-BA7A7FA0C0B2}" type="datetimeFigureOut">
               <a:rPr lang="en-US" smtClean="0"/>
-              <a:t>11/14/2015</a:t>
+              <a:t>11/15/2015</a:t>
             </a:fld>
             <a:endParaRPr lang="en-US"/>
           </a:p>
@@ -3167,7 +3172,7 @@
           <a:p>
             <a:fld id="{BAA46FE0-9DD4-4F57-A679-BA7A7FA0C0B2}" type="datetimeFigureOut">
               <a:rPr lang="en-US" smtClean="0"/>
-              <a:t>11/14/2015</a:t>
+              <a:t>11/15/2015</a:t>
             </a:fld>
             <a:endParaRPr lang="en-US"/>
           </a:p>
@@ -3560,7 +3565,7 @@
           <a:p>
             <a:fld id="{BAA46FE0-9DD4-4F57-A679-BA7A7FA0C0B2}" type="datetimeFigureOut">
               <a:rPr lang="en-US" smtClean="0"/>
-              <a:t>11/14/2015</a:t>
+              <a:t>11/15/2015</a:t>
             </a:fld>
             <a:endParaRPr lang="en-US"/>
           </a:p>
@@ -3838,7 +3843,7 @@
           <a:p>
             <a:fld id="{BAA46FE0-9DD4-4F57-A679-BA7A7FA0C0B2}" type="datetimeFigureOut">
               <a:rPr lang="en-US" smtClean="0"/>
-              <a:t>11/14/2015</a:t>
+              <a:t>11/15/2015</a:t>
             </a:fld>
             <a:endParaRPr lang="en-US"/>
           </a:p>
@@ -4287,42 +4292,42 @@
   <p:extLst mod="1">
     <p:ext uri="{27BBF7A9-308A-43DC-89C8-2F10F3537804}">
       <p15:sldGuideLst xmlns:p15="http://schemas.microsoft.com/office/powerpoint/2012/main">
-        <p15:guide id="4294967295" orient="horz" pos="1368">
+        <p15:guide id="1" orient="horz" pos="1368">
           <p15:clr>
             <a:srgbClr val="F26B43"/>
           </p15:clr>
         </p15:guide>
-        <p15:guide id="4294967295" orient="horz" pos="1440">
+        <p15:guide id="2" orient="horz" pos="1440">
           <p15:clr>
             <a:srgbClr val="F26B43"/>
           </p15:clr>
         </p15:guide>
-        <p15:guide id="4294967295" orient="horz" pos="3696">
+        <p15:guide id="3" orient="horz" pos="3696">
           <p15:clr>
             <a:srgbClr val="F26B43"/>
           </p15:clr>
         </p15:guide>
-        <p15:guide id="4294967295" orient="horz" pos="432">
+        <p15:guide id="4" orient="horz" pos="432">
           <p15:clr>
             <a:srgbClr val="F26B43"/>
           </p15:clr>
         </p15:guide>
-        <p15:guide id="4294967295" orient="horz" pos="1512">
+        <p15:guide id="5" orient="horz" pos="1512">
           <p15:clr>
             <a:srgbClr val="F26B43"/>
           </p15:clr>
         </p15:guide>
-        <p15:guide id="4294967295" pos="6912">
+        <p15:guide id="6" pos="6912">
           <p15:clr>
             <a:srgbClr val="F26B43"/>
           </p15:clr>
         </p15:guide>
-        <p15:guide id="4294967295" pos="936">
+        <p15:guide id="7" pos="936">
           <p15:clr>
             <a:srgbClr val="F26B43"/>
           </p15:clr>
         </p15:guide>
-        <p15:guide id="4294967295" pos="864">
+        <p15:guide id="8" pos="864">
           <p15:clr>
             <a:srgbClr val="F26B43"/>
           </p15:clr>
@@ -4390,8 +4395,8 @@
         </p:nvSpPr>
         <p:spPr>
           <a:xfrm>
-            <a:off x="1481070" y="6314881"/>
-            <a:ext cx="9311425" cy="1086237"/>
+            <a:off x="1198180" y="6314881"/>
+            <a:ext cx="9594316" cy="1086237"/>
           </a:xfrm>
         </p:spPr>
         <p:txBody>
